--- a/ppt/SQL for Data Reporting and Analysis.pptx
+++ b/ppt/SQL for Data Reporting and Analysis.pptx
@@ -4452,7 +4452,7 @@
           <a:p>
             <a:fld id="{547C4DAB-F4F4-4143-AF09-A2018427EBE3}" type="datetimeFigureOut">
               <a:rPr lang="en-AU" smtClean="0"/>
-              <a:t>12/03/2021</a:t>
+              <a:t>18/03/2021</a:t>
             </a:fld>
             <a:endParaRPr lang="en-AU"/>
           </a:p>
@@ -4652,7 +4652,7 @@
           <a:p>
             <a:fld id="{547C4DAB-F4F4-4143-AF09-A2018427EBE3}" type="datetimeFigureOut">
               <a:rPr lang="en-AU" smtClean="0"/>
-              <a:t>12/03/2021</a:t>
+              <a:t>18/03/2021</a:t>
             </a:fld>
             <a:endParaRPr lang="en-AU"/>
           </a:p>
@@ -4862,7 +4862,7 @@
           <a:p>
             <a:fld id="{547C4DAB-F4F4-4143-AF09-A2018427EBE3}" type="datetimeFigureOut">
               <a:rPr lang="en-AU" smtClean="0"/>
-              <a:t>12/03/2021</a:t>
+              <a:t>18/03/2021</a:t>
             </a:fld>
             <a:endParaRPr lang="en-AU"/>
           </a:p>
@@ -5062,7 +5062,7 @@
           <a:p>
             <a:fld id="{547C4DAB-F4F4-4143-AF09-A2018427EBE3}" type="datetimeFigureOut">
               <a:rPr lang="en-AU" smtClean="0"/>
-              <a:t>12/03/2021</a:t>
+              <a:t>18/03/2021</a:t>
             </a:fld>
             <a:endParaRPr lang="en-AU"/>
           </a:p>
@@ -5338,7 +5338,7 @@
           <a:p>
             <a:fld id="{547C4DAB-F4F4-4143-AF09-A2018427EBE3}" type="datetimeFigureOut">
               <a:rPr lang="en-AU" smtClean="0"/>
-              <a:t>12/03/2021</a:t>
+              <a:t>18/03/2021</a:t>
             </a:fld>
             <a:endParaRPr lang="en-AU"/>
           </a:p>
@@ -5606,7 +5606,7 @@
           <a:p>
             <a:fld id="{547C4DAB-F4F4-4143-AF09-A2018427EBE3}" type="datetimeFigureOut">
               <a:rPr lang="en-AU" smtClean="0"/>
-              <a:t>12/03/2021</a:t>
+              <a:t>18/03/2021</a:t>
             </a:fld>
             <a:endParaRPr lang="en-AU"/>
           </a:p>
@@ -6021,7 +6021,7 @@
           <a:p>
             <a:fld id="{547C4DAB-F4F4-4143-AF09-A2018427EBE3}" type="datetimeFigureOut">
               <a:rPr lang="en-AU" smtClean="0"/>
-              <a:t>12/03/2021</a:t>
+              <a:t>18/03/2021</a:t>
             </a:fld>
             <a:endParaRPr lang="en-AU"/>
           </a:p>
@@ -6163,7 +6163,7 @@
           <a:p>
             <a:fld id="{547C4DAB-F4F4-4143-AF09-A2018427EBE3}" type="datetimeFigureOut">
               <a:rPr lang="en-AU" smtClean="0"/>
-              <a:t>12/03/2021</a:t>
+              <a:t>18/03/2021</a:t>
             </a:fld>
             <a:endParaRPr lang="en-AU"/>
           </a:p>
@@ -6276,7 +6276,7 @@
           <a:p>
             <a:fld id="{547C4DAB-F4F4-4143-AF09-A2018427EBE3}" type="datetimeFigureOut">
               <a:rPr lang="en-AU" smtClean="0"/>
-              <a:t>12/03/2021</a:t>
+              <a:t>18/03/2021</a:t>
             </a:fld>
             <a:endParaRPr lang="en-AU"/>
           </a:p>
@@ -6589,7 +6589,7 @@
           <a:p>
             <a:fld id="{547C4DAB-F4F4-4143-AF09-A2018427EBE3}" type="datetimeFigureOut">
               <a:rPr lang="en-AU" smtClean="0"/>
-              <a:t>12/03/2021</a:t>
+              <a:t>18/03/2021</a:t>
             </a:fld>
             <a:endParaRPr lang="en-AU"/>
           </a:p>
@@ -6878,7 +6878,7 @@
           <a:p>
             <a:fld id="{547C4DAB-F4F4-4143-AF09-A2018427EBE3}" type="datetimeFigureOut">
               <a:rPr lang="en-AU" smtClean="0"/>
-              <a:t>12/03/2021</a:t>
+              <a:t>18/03/2021</a:t>
             </a:fld>
             <a:endParaRPr lang="en-AU"/>
           </a:p>
@@ -7121,7 +7121,7 @@
           <a:p>
             <a:fld id="{547C4DAB-F4F4-4143-AF09-A2018427EBE3}" type="datetimeFigureOut">
               <a:rPr lang="en-AU" smtClean="0"/>
-              <a:t>12/03/2021</a:t>
+              <a:t>18/03/2021</a:t>
             </a:fld>
             <a:endParaRPr lang="en-AU"/>
           </a:p>
@@ -8345,7 +8345,7 @@
               <a:buNone/>
             </a:pPr>
             <a:r>
-              <a:rPr lang="en-US" sz="2600" kern="1200">
+              <a:rPr lang="en-US" sz="2600" kern="1200" dirty="0">
                 <a:solidFill>
                   <a:schemeClr val="tx1">
                     <a:lumMod val="95000"/>
@@ -8356,7 +8356,35 @@
                 <a:ea typeface="+mn-ea"/>
                 <a:cs typeface="+mn-cs"/>
               </a:rPr>
-              <a:t>Download demo Sakila database. https://demo.phpmyadmin.net/master-config/</a:t>
+              <a:t>Download demo </a:t>
+            </a:r>
+            <a:r>
+              <a:rPr lang="en-US" sz="2600" kern="1200" dirty="0" err="1">
+                <a:solidFill>
+                  <a:schemeClr val="tx1">
+                    <a:lumMod val="95000"/>
+                    <a:lumOff val="5000"/>
+                  </a:schemeClr>
+                </a:solidFill>
+                <a:latin typeface="+mn-lt"/>
+                <a:ea typeface="+mn-ea"/>
+                <a:cs typeface="+mn-cs"/>
+              </a:rPr>
+              <a:t>Sakila</a:t>
+            </a:r>
+            <a:r>
+              <a:rPr lang="en-US" sz="2600" kern="1200" dirty="0">
+                <a:solidFill>
+                  <a:schemeClr val="tx1">
+                    <a:lumMod val="95000"/>
+                    <a:lumOff val="5000"/>
+                  </a:schemeClr>
+                </a:solidFill>
+                <a:latin typeface="+mn-lt"/>
+                <a:ea typeface="+mn-ea"/>
+                <a:cs typeface="+mn-cs"/>
+              </a:rPr>
+              <a:t> database. https://demo.phpmyadmin.net/master-config/</a:t>
             </a:r>
           </a:p>
         </p:txBody>
